--- a/2020/01/juniors.pptx
+++ b/2020/01/juniors.pptx
@@ -280,7 +280,7 @@
           <a:p>
             <a:fld id="{30BCFC17-923C-4E5F-AB6C-5AE5260A447B}" type="datetimeFigureOut">
               <a:rPr lang="ru-RU" smtClean="0"/>
-              <a:t>22.01.2020</a:t>
+              <a:t>25.01.2020</a:t>
             </a:fld>
             <a:endParaRPr lang="ru-RU"/>
           </a:p>
@@ -457,7 +457,7 @@
           <a:p>
             <a:fld id="{FCD118CD-F0C5-452A-A7F7-828CAC5D8500}" type="datetimeFigureOut">
               <a:rPr lang="ru-RU" smtClean="0"/>
-              <a:t>22.01.2020</a:t>
+              <a:t>25.01.2020</a:t>
             </a:fld>
             <a:endParaRPr lang="ru-RU"/>
           </a:p>
@@ -958,7 +958,7 @@
           <a:p>
             <a:fld id="{AA4DA509-74D1-4911-BC60-BA4FA3573B51}" type="datetime1">
               <a:rPr lang="ru-RU" smtClean="0"/>
-              <a:t>22.01.2020</a:t>
+              <a:t>25.01.2020</a:t>
             </a:fld>
             <a:endParaRPr lang="ru-RU"/>
           </a:p>
@@ -1163,7 +1163,7 @@
           <a:p>
             <a:fld id="{47ABABF6-1680-45B3-921B-58CD32BE1A69}" type="datetime1">
               <a:rPr lang="ru-RU" smtClean="0"/>
-              <a:t>22.01.2020</a:t>
+              <a:t>25.01.2020</a:t>
             </a:fld>
             <a:endParaRPr lang="ru-RU"/>
           </a:p>
@@ -1373,7 +1373,7 @@
           <a:p>
             <a:fld id="{ACFDD49F-977F-4C8B-864B-00A4D1611A1D}" type="datetime1">
               <a:rPr lang="ru-RU" smtClean="0"/>
-              <a:t>22.01.2020</a:t>
+              <a:t>25.01.2020</a:t>
             </a:fld>
             <a:endParaRPr lang="ru-RU"/>
           </a:p>
@@ -1579,7 +1579,7 @@
           <a:p>
             <a:fld id="{442A7E7D-DEA4-4E8B-AA0F-7CF7F76A3087}" type="datetime1">
               <a:rPr lang="ru-RU" smtClean="0"/>
-              <a:t>22.01.2020</a:t>
+              <a:t>25.01.2020</a:t>
             </a:fld>
             <a:endParaRPr lang="ru-RU"/>
           </a:p>
@@ -1860,7 +1860,7 @@
           <a:p>
             <a:fld id="{5BEC8353-239D-4212-84D7-C0B9D2DFBD6D}" type="datetime1">
               <a:rPr lang="ru-RU" smtClean="0"/>
-              <a:t>22.01.2020</a:t>
+              <a:t>25.01.2020</a:t>
             </a:fld>
             <a:endParaRPr lang="ru-RU"/>
           </a:p>
@@ -2128,7 +2128,7 @@
           <a:p>
             <a:fld id="{89B6A1F2-1F36-43C6-95D0-57F4721D1C7A}" type="datetime1">
               <a:rPr lang="ru-RU" smtClean="0"/>
-              <a:t>22.01.2020</a:t>
+              <a:t>25.01.2020</a:t>
             </a:fld>
             <a:endParaRPr lang="ru-RU"/>
           </a:p>
@@ -2543,7 +2543,7 @@
           <a:p>
             <a:fld id="{6016AF81-D610-48DC-9162-E7D89E626A55}" type="datetime1">
               <a:rPr lang="ru-RU" smtClean="0"/>
-              <a:t>22.01.2020</a:t>
+              <a:t>25.01.2020</a:t>
             </a:fld>
             <a:endParaRPr lang="ru-RU"/>
           </a:p>
@@ -2685,7 +2685,7 @@
           <a:p>
             <a:fld id="{86263ED4-D2B5-45BE-A6AD-DD492CF59446}" type="datetime1">
               <a:rPr lang="ru-RU" smtClean="0"/>
-              <a:t>22.01.2020</a:t>
+              <a:t>25.01.2020</a:t>
             </a:fld>
             <a:endParaRPr lang="ru-RU"/>
           </a:p>
@@ -2798,7 +2798,7 @@
           <a:p>
             <a:fld id="{88163182-9035-49E6-B4C2-D51FEDEDA3F0}" type="datetime1">
               <a:rPr lang="ru-RU" smtClean="0"/>
-              <a:t>22.01.2020</a:t>
+              <a:t>25.01.2020</a:t>
             </a:fld>
             <a:endParaRPr lang="ru-RU"/>
           </a:p>
@@ -3111,7 +3111,7 @@
           <a:p>
             <a:fld id="{CE18D2C0-2028-466A-A119-D4641640E2B7}" type="datetime1">
               <a:rPr lang="ru-RU" smtClean="0"/>
-              <a:t>22.01.2020</a:t>
+              <a:t>25.01.2020</a:t>
             </a:fld>
             <a:endParaRPr lang="ru-RU"/>
           </a:p>
@@ -3400,7 +3400,7 @@
           <a:p>
             <a:fld id="{2418DD69-943B-4FED-B16B-EB58357A624D}" type="datetime1">
               <a:rPr lang="ru-RU" smtClean="0"/>
-              <a:t>22.01.2020</a:t>
+              <a:t>25.01.2020</a:t>
             </a:fld>
             <a:endParaRPr lang="ru-RU"/>
           </a:p>
@@ -3643,7 +3643,7 @@
           <a:p>
             <a:fld id="{C48F91C8-0B66-4DC6-82FA-37648DC343B9}" type="datetime1">
               <a:rPr lang="ru-RU" smtClean="0"/>
-              <a:t>22.01.2020</a:t>
+              <a:t>25.01.2020</a:t>
             </a:fld>
             <a:endParaRPr lang="ru-RU" dirty="0"/>
           </a:p>
@@ -7697,8 +7697,8 @@
               <a:t>, </a:t>
             </a:r>
             <a:r>
-              <a:rPr lang="en-US" dirty="0" err="1"/>
-              <a:t>Playtica</a:t>
+              <a:rPr lang="en-US"/>
+              <a:t>Playtika</a:t>
             </a:r>
             <a:r>
               <a:rPr lang="en-US" dirty="0"/>

--- a/2020/01/juniors.pptx
+++ b/2020/01/juniors.pptx
@@ -7697,7 +7697,7 @@
               <a:t>, </a:t>
             </a:r>
             <a:r>
-              <a:rPr lang="en-US"/>
+              <a:rPr lang="en-US" dirty="0" err="1"/>
               <a:t>Playtika</a:t>
             </a:r>
             <a:r>
